--- a/docs/articles/assets/pptx/gallery_line_03.pptx
+++ b/docs/articles/assets/pptx/gallery_line_03.pptx
@@ -110,7 +110,7 @@
 </p:presentation>
 </file>
 
-<file path=ppt/charts/chart38696dc0ce57.xml><?xml version="1.0" encoding="utf-8"?>
+<file path=ppt/charts/chart3b7a64eec61.xml><?xml version="1.0" encoding="utf-8"?>
 <c:chartSpace xmlns:c="http://schemas.openxmlformats.org/drawingml/2006/chart" xmlns:a="http://schemas.openxmlformats.org/drawingml/2006/main" xmlns:r="http://schemas.openxmlformats.org/officeDocument/2006/relationships">
   <c:date1904 val="0"/>
   <c:lang val="fr-FR"/>

--- a/docs/articles/assets/pptx/gallery_line_03.pptx
+++ b/docs/articles/assets/pptx/gallery_line_03.pptx
@@ -110,7 +110,7 @@
 </p:presentation>
 </file>
 
-<file path=ppt/charts/chart3b7a64eec61.xml><?xml version="1.0" encoding="utf-8"?>
+<file path=ppt/charts/chartfcd2e9e3ec3.xml><?xml version="1.0" encoding="utf-8"?>
 <c:chartSpace xmlns:c="http://schemas.openxmlformats.org/drawingml/2006/chart" xmlns:a="http://schemas.openxmlformats.org/drawingml/2006/main" xmlns:r="http://schemas.openxmlformats.org/officeDocument/2006/relationships">
   <c:date1904 val="0"/>
   <c:lang val="fr-FR"/>
@@ -128,7 +128,7 @@
     <c:plotArea xmlns:c="http://schemas.openxmlformats.org/drawingml/2006/chart" xmlns:a="http://schemas.openxmlformats.org/drawingml/2006/main" xmlns:r="http://schemas.openxmlformats.org/officeDocument/2006/relationships">
       <c:layout/>
       <c:lineChart>
-        <c:grouping val="percentStacked"/>
+        <c:grouping val="standard"/>
         <c:varyColors val="0"/>
         <c:ser>
           <c:idx val="0"/>
@@ -177,30 +177,30 @@
             </c:spPr>
           </c:marker>
           <c:cat>
-            <c:numRef>
+            <c:strRef>
               <c:f>sheet1!$A$2:$A$7</c:f>
-              <c:numCache>
+              <c:strCache>
                 <c:ptCount val="6"/>
                 <c:pt idx="0">
-                  <c:v>42273</c:v>
+                  <c:v>2015-09-30</c:v>
                 </c:pt>
                 <c:pt idx="1">
-                  <c:v>42365</c:v>
+                  <c:v>2015-12-31</c:v>
                 </c:pt>
                 <c:pt idx="2">
-                  <c:v>42456</c:v>
+                  <c:v>2016-03-31</c:v>
                 </c:pt>
                 <c:pt idx="3">
-                  <c:v>42547</c:v>
+                  <c:v>2016-06-30</c:v>
                 </c:pt>
                 <c:pt idx="4">
-                  <c:v>42639</c:v>
+                  <c:v>2016-09-30</c:v>
                 </c:pt>
                 <c:pt idx="5">
-                  <c:v>42731</c:v>
-                </c:pt>
-              </c:numCache>
-            </c:numRef>
+                  <c:v>2016-12-31</c:v>
+                </c:pt>
+              </c:strCache>
+            </c:strRef>
           </c:cat>
           <c:val>
             <c:numRef>
@@ -276,30 +276,30 @@
             </c:spPr>
           </c:marker>
           <c:cat>
-            <c:numRef>
+            <c:strRef>
               <c:f>sheet1!$A$2:$A$7</c:f>
-              <c:numCache>
+              <c:strCache>
                 <c:ptCount val="6"/>
                 <c:pt idx="0">
-                  <c:v>42273</c:v>
+                  <c:v>2015-09-30</c:v>
                 </c:pt>
                 <c:pt idx="1">
-                  <c:v>42365</c:v>
+                  <c:v>2015-12-31</c:v>
                 </c:pt>
                 <c:pt idx="2">
-                  <c:v>42456</c:v>
+                  <c:v>2016-03-31</c:v>
                 </c:pt>
                 <c:pt idx="3">
-                  <c:v>42547</c:v>
+                  <c:v>2016-06-30</c:v>
                 </c:pt>
                 <c:pt idx="4">
-                  <c:v>42639</c:v>
+                  <c:v>2016-09-30</c:v>
                 </c:pt>
                 <c:pt idx="5">
-                  <c:v>42731</c:v>
-                </c:pt>
-              </c:numCache>
-            </c:numRef>
+                  <c:v>2016-12-31</c:v>
+                </c:pt>
+              </c:strCache>
+            </c:strRef>
           </c:cat>
           <c:val>
             <c:numRef>
@@ -375,30 +375,30 @@
             </c:spPr>
           </c:marker>
           <c:cat>
-            <c:numRef>
+            <c:strRef>
               <c:f>sheet1!$A$2:$A$7</c:f>
-              <c:numCache>
+              <c:strCache>
                 <c:ptCount val="6"/>
                 <c:pt idx="0">
-                  <c:v>42273</c:v>
+                  <c:v>2015-09-30</c:v>
                 </c:pt>
                 <c:pt idx="1">
-                  <c:v>42365</c:v>
+                  <c:v>2015-12-31</c:v>
                 </c:pt>
                 <c:pt idx="2">
-                  <c:v>42456</c:v>
+                  <c:v>2016-03-31</c:v>
                 </c:pt>
                 <c:pt idx="3">
-                  <c:v>42547</c:v>
+                  <c:v>2016-06-30</c:v>
                 </c:pt>
                 <c:pt idx="4">
-                  <c:v>42639</c:v>
+                  <c:v>2016-09-30</c:v>
                 </c:pt>
                 <c:pt idx="5">
-                  <c:v>42731</c:v>
-                </c:pt>
-              </c:numCache>
-            </c:numRef>
+                  <c:v>2016-12-31</c:v>
+                </c:pt>
+              </c:strCache>
+            </c:strRef>
           </c:cat>
           <c:val>
             <c:numRef>
@@ -474,30 +474,30 @@
             </c:spPr>
           </c:marker>
           <c:cat>
-            <c:numRef>
+            <c:strRef>
               <c:f>sheet1!$A$2:$A$7</c:f>
-              <c:numCache>
+              <c:strCache>
                 <c:ptCount val="6"/>
                 <c:pt idx="0">
-                  <c:v>42273</c:v>
+                  <c:v>2015-09-30</c:v>
                 </c:pt>
                 <c:pt idx="1">
-                  <c:v>42365</c:v>
+                  <c:v>2015-12-31</c:v>
                 </c:pt>
                 <c:pt idx="2">
-                  <c:v>42456</c:v>
+                  <c:v>2016-03-31</c:v>
                 </c:pt>
                 <c:pt idx="3">
-                  <c:v>42547</c:v>
+                  <c:v>2016-06-30</c:v>
                 </c:pt>
                 <c:pt idx="4">
-                  <c:v>42639</c:v>
+                  <c:v>2016-09-30</c:v>
                 </c:pt>
                 <c:pt idx="5">
-                  <c:v>42731</c:v>
-                </c:pt>
-              </c:numCache>
-            </c:numRef>
+                  <c:v>2016-12-31</c:v>
+                </c:pt>
+              </c:strCache>
+            </c:strRef>
           </c:cat>
           <c:val>
             <c:numRef>
@@ -573,30 +573,30 @@
             </c:spPr>
           </c:marker>
           <c:cat>
-            <c:numRef>
+            <c:strRef>
               <c:f>sheet1!$A$2:$A$7</c:f>
-              <c:numCache>
+              <c:strCache>
                 <c:ptCount val="6"/>
                 <c:pt idx="0">
-                  <c:v>42273</c:v>
+                  <c:v>2015-09-30</c:v>
                 </c:pt>
                 <c:pt idx="1">
-                  <c:v>42365</c:v>
+                  <c:v>2015-12-31</c:v>
                 </c:pt>
                 <c:pt idx="2">
-                  <c:v>42456</c:v>
+                  <c:v>2016-03-31</c:v>
                 </c:pt>
                 <c:pt idx="3">
-                  <c:v>42547</c:v>
+                  <c:v>2016-06-30</c:v>
                 </c:pt>
                 <c:pt idx="4">
-                  <c:v>42639</c:v>
+                  <c:v>2016-09-30</c:v>
                 </c:pt>
                 <c:pt idx="5">
-                  <c:v>42731</c:v>
-                </c:pt>
-              </c:numCache>
-            </c:numRef>
+                  <c:v>2016-12-31</c:v>
+                </c:pt>
+              </c:strCache>
+            </c:strRef>
           </c:cat>
           <c:val>
             <c:numRef>
@@ -672,30 +672,30 @@
             </c:spPr>
           </c:marker>
           <c:cat>
-            <c:numRef>
+            <c:strRef>
               <c:f>sheet1!$A$2:$A$7</c:f>
-              <c:numCache>
+              <c:strCache>
                 <c:ptCount val="6"/>
                 <c:pt idx="0">
-                  <c:v>42273</c:v>
+                  <c:v>2015-09-30</c:v>
                 </c:pt>
                 <c:pt idx="1">
-                  <c:v>42365</c:v>
+                  <c:v>2015-12-31</c:v>
                 </c:pt>
                 <c:pt idx="2">
-                  <c:v>42456</c:v>
+                  <c:v>2016-03-31</c:v>
                 </c:pt>
                 <c:pt idx="3">
-                  <c:v>42547</c:v>
+                  <c:v>2016-06-30</c:v>
                 </c:pt>
                 <c:pt idx="4">
-                  <c:v>42639</c:v>
+                  <c:v>2016-09-30</c:v>
                 </c:pt>
                 <c:pt idx="5">
-                  <c:v>42731</c:v>
-                </c:pt>
-              </c:numCache>
-            </c:numRef>
+                  <c:v>2016-12-31</c:v>
+                </c:pt>
+              </c:strCache>
+            </c:strRef>
           </c:cat>
           <c:val>
             <c:numRef>
@@ -3029,7 +3029,7 @@
 
 <file path=ppt/slides/slide1.xml><?xml version="1.0" encoding="utf-8"?>
 <p:sld xmlns:a="http://schemas.openxmlformats.org/drawingml/2006/main" xmlns:r="http://schemas.openxmlformats.org/officeDocument/2006/relationships" xmlns:p="http://schemas.openxmlformats.org/presentationml/2006/main">
-  <p:cSld name="Title and Content">
+  <p:cSld>
     <p:spTree>
       <p:nvGrpSpPr>
         <p:cNvPr id="1" name=""/>
@@ -3063,11 +3063,6 @@
         </a:graphic>
       </p:graphicFrame>
     </p:spTree>
-    <p:extLst>
-      <p:ext uri="{BB962C8B-B14F-4D97-AF65-F5344CB8AC3E}">
-        <p14:creationId xmlns:p14="http://schemas.microsoft.com/office/powerpoint/2010/main" val="271576982"/>
-      </p:ext>
-    </p:extLst>
   </p:cSld>
   <p:clrMapOvr>
     <a:masterClrMapping/>

--- a/docs/articles/assets/pptx/gallery_line_03.pptx
+++ b/docs/articles/assets/pptx/gallery_line_03.pptx
@@ -110,7 +110,7 @@
 </p:presentation>
 </file>
 
-<file path=ppt/charts/chartfcd2e9e3ec3.xml><?xml version="1.0" encoding="utf-8"?>
+<file path=ppt/charts/chartbd52b98eac2.xml><?xml version="1.0" encoding="utf-8"?>
 <c:chartSpace xmlns:c="http://schemas.openxmlformats.org/drawingml/2006/chart" xmlns:a="http://schemas.openxmlformats.org/drawingml/2006/main" xmlns:r="http://schemas.openxmlformats.org/officeDocument/2006/relationships">
   <c:date1904 val="0"/>
   <c:lang val="fr-FR"/>
@@ -919,6 +919,23 @@
       <c:legendPos val="b"/>
       <c:layout/>
       <c:overlay val="0"/>
+      <c:txPr xmlns:c="http://schemas.openxmlformats.org/drawingml/2006/chart" xmlns:a="http://schemas.openxmlformats.org/drawingml/2006/main">
+        <a:bodyPr/>
+        <a:lstStyle/>
+        <a:p>
+          <a:pPr>
+            <a:defRPr sz="1400">
+              <a:solidFill>
+                <a:srgbClr val="000000">
+                  <a:alpha val="100000"/>
+                </a:srgbClr>
+              </a:solidFill>
+              <a:latin typeface="Arial"/>
+              <a:cs typeface="Arial"/>
+            </a:defRPr>
+          </a:pPr>
+        </a:p>
+      </c:txPr>
     </c:legend>
     <c:plotVisOnly val="1"/>
     <c:dispBlanksAs val="gap"/>

--- a/docs/articles/assets/pptx/gallery_line_03.pptx
+++ b/docs/articles/assets/pptx/gallery_line_03.pptx
@@ -110,7 +110,7 @@
 </p:presentation>
 </file>
 
-<file path=ppt/charts/chartbd52b98eac2.xml><?xml version="1.0" encoding="utf-8"?>
+<file path=ppt/charts/chart1845443ca6f6.xml><?xml version="1.0" encoding="utf-8"?>
 <c:chartSpace xmlns:c="http://schemas.openxmlformats.org/drawingml/2006/chart" xmlns:a="http://schemas.openxmlformats.org/drawingml/2006/main" xmlns:r="http://schemas.openxmlformats.org/officeDocument/2006/relationships">
   <c:date1904 val="0"/>
   <c:lang val="fr-FR"/>
@@ -176,6 +176,34 @@
               </a:ln>
             </c:spPr>
           </c:marker>
+          <c:dLbls>
+            <c:numFmt formatCode="General" sourceLinked="0"/>
+            <c:txPr>
+              <a:bodyPr/>
+              <a:lstStyle/>
+              <a:p>
+                <a:pPr>
+                  <a:defRPr>
+                    <a:solidFill>
+                      <a:srgbClr val="000000">
+                        <a:alpha val="100000"/>
+                      </a:srgbClr>
+                    </a:solidFill>
+                    <a:latin typeface="Arial"/>
+                    <a:cs typeface="Arial"/>
+                  </a:defRPr>
+                </a:pPr>
+              </a:p>
+            </c:txPr>
+            <c:dLblPos val="ctr"/>
+            <c:showLegendKey val="0"/>
+            <c:showVal val="0"/>
+            <c:showCatName val="0"/>
+            <c:showSerName val="0"/>
+            <c:showPercent val="0"/>
+            <c:showBubbleSize val="0"/>
+            <c:separator val=", "/>
+          </c:dLbls>
           <c:cat>
             <c:strRef>
               <c:f>sheet1!$A$2:$A$7</c:f>
@@ -275,6 +303,34 @@
               </a:ln>
             </c:spPr>
           </c:marker>
+          <c:dLbls>
+            <c:numFmt formatCode="General" sourceLinked="0"/>
+            <c:txPr>
+              <a:bodyPr/>
+              <a:lstStyle/>
+              <a:p>
+                <a:pPr>
+                  <a:defRPr>
+                    <a:solidFill>
+                      <a:srgbClr val="000000">
+                        <a:alpha val="100000"/>
+                      </a:srgbClr>
+                    </a:solidFill>
+                    <a:latin typeface="Arial"/>
+                    <a:cs typeface="Arial"/>
+                  </a:defRPr>
+                </a:pPr>
+              </a:p>
+            </c:txPr>
+            <c:dLblPos val="ctr"/>
+            <c:showLegendKey val="0"/>
+            <c:showVal val="0"/>
+            <c:showCatName val="0"/>
+            <c:showSerName val="0"/>
+            <c:showPercent val="0"/>
+            <c:showBubbleSize val="0"/>
+            <c:separator val=", "/>
+          </c:dLbls>
           <c:cat>
             <c:strRef>
               <c:f>sheet1!$A$2:$A$7</c:f>
@@ -374,6 +430,34 @@
               </a:ln>
             </c:spPr>
           </c:marker>
+          <c:dLbls>
+            <c:numFmt formatCode="General" sourceLinked="0"/>
+            <c:txPr>
+              <a:bodyPr/>
+              <a:lstStyle/>
+              <a:p>
+                <a:pPr>
+                  <a:defRPr>
+                    <a:solidFill>
+                      <a:srgbClr val="000000">
+                        <a:alpha val="100000"/>
+                      </a:srgbClr>
+                    </a:solidFill>
+                    <a:latin typeface="Arial"/>
+                    <a:cs typeface="Arial"/>
+                  </a:defRPr>
+                </a:pPr>
+              </a:p>
+            </c:txPr>
+            <c:dLblPos val="ctr"/>
+            <c:showLegendKey val="0"/>
+            <c:showVal val="0"/>
+            <c:showCatName val="0"/>
+            <c:showSerName val="0"/>
+            <c:showPercent val="0"/>
+            <c:showBubbleSize val="0"/>
+            <c:separator val=", "/>
+          </c:dLbls>
           <c:cat>
             <c:strRef>
               <c:f>sheet1!$A$2:$A$7</c:f>
@@ -473,6 +557,34 @@
               </a:ln>
             </c:spPr>
           </c:marker>
+          <c:dLbls>
+            <c:numFmt formatCode="General" sourceLinked="0"/>
+            <c:txPr>
+              <a:bodyPr/>
+              <a:lstStyle/>
+              <a:p>
+                <a:pPr>
+                  <a:defRPr>
+                    <a:solidFill>
+                      <a:srgbClr val="000000">
+                        <a:alpha val="100000"/>
+                      </a:srgbClr>
+                    </a:solidFill>
+                    <a:latin typeface="Arial"/>
+                    <a:cs typeface="Arial"/>
+                  </a:defRPr>
+                </a:pPr>
+              </a:p>
+            </c:txPr>
+            <c:dLblPos val="ctr"/>
+            <c:showLegendKey val="0"/>
+            <c:showVal val="0"/>
+            <c:showCatName val="0"/>
+            <c:showSerName val="0"/>
+            <c:showPercent val="0"/>
+            <c:showBubbleSize val="0"/>
+            <c:separator val=", "/>
+          </c:dLbls>
           <c:cat>
             <c:strRef>
               <c:f>sheet1!$A$2:$A$7</c:f>
@@ -572,6 +684,34 @@
               </a:ln>
             </c:spPr>
           </c:marker>
+          <c:dLbls>
+            <c:numFmt formatCode="General" sourceLinked="0"/>
+            <c:txPr>
+              <a:bodyPr/>
+              <a:lstStyle/>
+              <a:p>
+                <a:pPr>
+                  <a:defRPr>
+                    <a:solidFill>
+                      <a:srgbClr val="000000">
+                        <a:alpha val="100000"/>
+                      </a:srgbClr>
+                    </a:solidFill>
+                    <a:latin typeface="Arial"/>
+                    <a:cs typeface="Arial"/>
+                  </a:defRPr>
+                </a:pPr>
+              </a:p>
+            </c:txPr>
+            <c:dLblPos val="ctr"/>
+            <c:showLegendKey val="0"/>
+            <c:showVal val="0"/>
+            <c:showCatName val="0"/>
+            <c:showSerName val="0"/>
+            <c:showPercent val="0"/>
+            <c:showBubbleSize val="0"/>
+            <c:separator val=", "/>
+          </c:dLbls>
           <c:cat>
             <c:strRef>
               <c:f>sheet1!$A$2:$A$7</c:f>
@@ -671,6 +811,34 @@
               </a:ln>
             </c:spPr>
           </c:marker>
+          <c:dLbls>
+            <c:numFmt formatCode="General" sourceLinked="0"/>
+            <c:txPr>
+              <a:bodyPr/>
+              <a:lstStyle/>
+              <a:p>
+                <a:pPr>
+                  <a:defRPr>
+                    <a:solidFill>
+                      <a:srgbClr val="000000">
+                        <a:alpha val="100000"/>
+                      </a:srgbClr>
+                    </a:solidFill>
+                    <a:latin typeface="Arial"/>
+                    <a:cs typeface="Arial"/>
+                  </a:defRPr>
+                </a:pPr>
+              </a:p>
+            </c:txPr>
+            <c:dLblPos val="ctr"/>
+            <c:showLegendKey val="0"/>
+            <c:showVal val="0"/>
+            <c:showCatName val="0"/>
+            <c:showSerName val="0"/>
+            <c:showPercent val="0"/>
+            <c:showBubbleSize val="0"/>
+            <c:separator val=", "/>
+          </c:dLbls>
           <c:cat>
             <c:strRef>
               <c:f>sheet1!$A$2:$A$7</c:f>
@@ -757,14 +925,6 @@
             </a:ln>
           </c:spPr>
         </c:majorGridlines>
-        <c:minorGridlines>
-          <c:spPr>
-            <a:ln algn="ctr" w="0">
-              <a:noFill/>
-              <a:prstDash val="solid"/>
-            </a:ln>
-          </c:spPr>
-        </c:minorGridlines>
         <c:title>
           <c:tx>
             <c:rich>
@@ -845,14 +1005,6 @@
             </a:ln>
           </c:spPr>
         </c:majorGridlines>
-        <c:minorGridlines>
-          <c:spPr>
-            <a:ln algn="ctr" w="0">
-              <a:noFill/>
-              <a:prstDash val="solid"/>
-            </a:ln>
-          </c:spPr>
-        </c:minorGridlines>
         <c:title>
           <c:tx>
             <c:rich>
@@ -3063,7 +3215,7 @@
       </p:grpSpPr>
       <p:graphicFrame xmlns:a="http://schemas.openxmlformats.org/drawingml/2006/main" xmlns:r="http://schemas.openxmlformats.org/officeDocument/2006/relationships" xmlns:p="http://schemas.openxmlformats.org/presentationml/2006/main">
         <p:nvGraphicFramePr>
-          <p:cNvPr name="" id="2"/>
+          <p:cNvPr id="2" name=""/>
           <p:cNvGraphicFramePr>
             <a:graphicFrameLocks noGrp="true"/>
           </p:cNvGraphicFramePr>

--- a/docs/articles/assets/pptx/gallery_line_03.pptx
+++ b/docs/articles/assets/pptx/gallery_line_03.pptx
@@ -110,7 +110,7 @@
 </p:presentation>
 </file>
 
-<file path=ppt/charts/chart1845443ca6f6.xml><?xml version="1.0" encoding="utf-8"?>
+<file path=ppt/charts/chart170b4723094d9.xml><?xml version="1.0" encoding="utf-8"?>
 <c:chartSpace xmlns:c="http://schemas.openxmlformats.org/drawingml/2006/chart" xmlns:a="http://schemas.openxmlformats.org/drawingml/2006/main" xmlns:r="http://schemas.openxmlformats.org/officeDocument/2006/relationships">
   <c:date1904 val="0"/>
   <c:lang val="fr-FR"/>
@@ -124,7 +124,7 @@
     </mc:Fallback>
   </mc:AlternateContent>
   <c:chart>
-    <c:autoTitleDeleted val="0"/>
+    <c:autoTitleDeleted val="1"/>
     <c:plotArea xmlns:c="http://schemas.openxmlformats.org/drawingml/2006/chart" xmlns:a="http://schemas.openxmlformats.org/drawingml/2006/main" xmlns:r="http://schemas.openxmlformats.org/officeDocument/2006/relationships">
       <c:layout/>
       <c:lineChart>
@@ -150,12 +150,13 @@
                 <a:alpha val="100000"/>
               </a:srgbClr>
             </a:solidFill>
-            <a:ln>
+            <a:ln algn="ctr" w="25400">
               <a:solidFill>
                 <a:srgbClr val="332288">
                   <a:alpha val="100000"/>
                 </a:srgbClr>
               </a:solidFill>
+              <a:prstDash val="solid"/>
             </a:ln>
           </c:spPr>
           <c:marker>
@@ -174,6 +175,7 @@
                   </a:srgbClr>
                 </a:solidFill>
               </a:ln>
+              <a:effectLst/>
             </c:spPr>
           </c:marker>
           <c:dLbls>
@@ -183,7 +185,7 @@
               <a:lstStyle/>
               <a:p>
                 <a:pPr>
-                  <a:defRPr>
+                  <a:defRPr cap="none">
                     <a:solidFill>
                       <a:srgbClr val="000000">
                         <a:alpha val="100000"/>
@@ -256,6 +258,7 @@
               </c:numCache>
             </c:numRef>
           </c:val>
+          <c:smooth val="1"/>
         </c:ser>
         <c:ser>
           <c:idx val="1"/>
@@ -277,12 +280,13 @@
                 <a:alpha val="100000"/>
               </a:srgbClr>
             </a:solidFill>
-            <a:ln>
+            <a:ln algn="ctr" w="25400">
               <a:solidFill>
                 <a:srgbClr val="88CCEE">
                   <a:alpha val="100000"/>
                 </a:srgbClr>
               </a:solidFill>
+              <a:prstDash val="solid"/>
             </a:ln>
           </c:spPr>
           <c:marker>
@@ -301,6 +305,7 @@
                   </a:srgbClr>
                 </a:solidFill>
               </a:ln>
+              <a:effectLst/>
             </c:spPr>
           </c:marker>
           <c:dLbls>
@@ -310,7 +315,7 @@
               <a:lstStyle/>
               <a:p>
                 <a:pPr>
-                  <a:defRPr>
+                  <a:defRPr cap="none">
                     <a:solidFill>
                       <a:srgbClr val="000000">
                         <a:alpha val="100000"/>
@@ -383,6 +388,7 @@
               </c:numCache>
             </c:numRef>
           </c:val>
+          <c:smooth val="1"/>
         </c:ser>
         <c:ser>
           <c:idx val="2"/>
@@ -404,12 +410,13 @@
                 <a:alpha val="100000"/>
               </a:srgbClr>
             </a:solidFill>
-            <a:ln>
+            <a:ln algn="ctr" w="25400">
               <a:solidFill>
                 <a:srgbClr val="117733">
                   <a:alpha val="100000"/>
                 </a:srgbClr>
               </a:solidFill>
+              <a:prstDash val="solid"/>
             </a:ln>
           </c:spPr>
           <c:marker>
@@ -428,6 +435,7 @@
                   </a:srgbClr>
                 </a:solidFill>
               </a:ln>
+              <a:effectLst/>
             </c:spPr>
           </c:marker>
           <c:dLbls>
@@ -437,7 +445,7 @@
               <a:lstStyle/>
               <a:p>
                 <a:pPr>
-                  <a:defRPr>
+                  <a:defRPr cap="none">
                     <a:solidFill>
                       <a:srgbClr val="000000">
                         <a:alpha val="100000"/>
@@ -510,6 +518,7 @@
               </c:numCache>
             </c:numRef>
           </c:val>
+          <c:smooth val="1"/>
         </c:ser>
         <c:ser>
           <c:idx val="3"/>
@@ -531,12 +540,13 @@
                 <a:alpha val="100000"/>
               </a:srgbClr>
             </a:solidFill>
-            <a:ln>
+            <a:ln algn="ctr" w="25400">
               <a:solidFill>
                 <a:srgbClr val="DDCC77">
                   <a:alpha val="100000"/>
                 </a:srgbClr>
               </a:solidFill>
+              <a:prstDash val="solid"/>
             </a:ln>
           </c:spPr>
           <c:marker>
@@ -555,6 +565,7 @@
                   </a:srgbClr>
                 </a:solidFill>
               </a:ln>
+              <a:effectLst/>
             </c:spPr>
           </c:marker>
           <c:dLbls>
@@ -564,7 +575,7 @@
               <a:lstStyle/>
               <a:p>
                 <a:pPr>
-                  <a:defRPr>
+                  <a:defRPr cap="none">
                     <a:solidFill>
                       <a:srgbClr val="000000">
                         <a:alpha val="100000"/>
@@ -637,6 +648,7 @@
               </c:numCache>
             </c:numRef>
           </c:val>
+          <c:smooth val="1"/>
         </c:ser>
         <c:ser>
           <c:idx val="4"/>
@@ -658,12 +670,13 @@
                 <a:alpha val="100000"/>
               </a:srgbClr>
             </a:solidFill>
-            <a:ln>
+            <a:ln algn="ctr" w="25400">
               <a:solidFill>
                 <a:srgbClr val="CC6677">
                   <a:alpha val="100000"/>
                 </a:srgbClr>
               </a:solidFill>
+              <a:prstDash val="solid"/>
             </a:ln>
           </c:spPr>
           <c:marker>
@@ -682,6 +695,7 @@
                   </a:srgbClr>
                 </a:solidFill>
               </a:ln>
+              <a:effectLst/>
             </c:spPr>
           </c:marker>
           <c:dLbls>
@@ -691,7 +705,7 @@
               <a:lstStyle/>
               <a:p>
                 <a:pPr>
-                  <a:defRPr>
+                  <a:defRPr cap="none">
                     <a:solidFill>
                       <a:srgbClr val="000000">
                         <a:alpha val="100000"/>
@@ -764,6 +778,7 @@
               </c:numCache>
             </c:numRef>
           </c:val>
+          <c:smooth val="1"/>
         </c:ser>
         <c:ser>
           <c:idx val="5"/>
@@ -785,12 +800,13 @@
                 <a:alpha val="100000"/>
               </a:srgbClr>
             </a:solidFill>
-            <a:ln>
+            <a:ln algn="ctr" w="25400">
               <a:solidFill>
                 <a:srgbClr val="AA4499">
                   <a:alpha val="100000"/>
                 </a:srgbClr>
               </a:solidFill>
+              <a:prstDash val="solid"/>
             </a:ln>
           </c:spPr>
           <c:marker>
@@ -809,6 +825,7 @@
                   </a:srgbClr>
                 </a:solidFill>
               </a:ln>
+              <a:effectLst/>
             </c:spPr>
           </c:marker>
           <c:dLbls>
@@ -818,7 +835,7 @@
               <a:lstStyle/>
               <a:p>
                 <a:pPr>
-                  <a:defRPr>
+                  <a:defRPr cap="none">
                     <a:solidFill>
                       <a:srgbClr val="000000">
                         <a:alpha val="100000"/>
@@ -891,6 +908,7 @@
               </c:numCache>
             </c:numRef>
           </c:val>
+          <c:smooth val="1"/>
         </c:ser>
         <c:dLbls>
           <c:numFmt formatCode="General" sourceLinked="0"/>
@@ -935,7 +953,7 @@
                   <a:defRPr/>
                 </a:pPr>
                 <a:r>
-                  <a:rPr sz="1600" b="1">
+                  <a:rPr cap="none" sz="1600" b="1">
                     <a:solidFill>
                       <a:srgbClr val="000000">
                         <a:alpha val="100000"/>
@@ -960,7 +978,7 @@
           <a:lstStyle/>
           <a:p>
             <a:pPr>
-              <a:defRPr sz="1000">
+              <a:defRPr cap="none" sz="1000">
                 <a:solidFill>
                   <a:srgbClr val="000000">
                     <a:alpha val="100000"/>
@@ -1015,7 +1033,7 @@
                   <a:defRPr/>
                 </a:pPr>
                 <a:r>
-                  <a:rPr sz="1600" b="1">
+                  <a:rPr cap="none" sz="1600" b="1">
                     <a:solidFill>
                       <a:srgbClr val="000000">
                         <a:alpha val="100000"/>
@@ -1040,7 +1058,7 @@
           <a:lstStyle/>
           <a:p>
             <a:pPr>
-              <a:defRPr sz="1000">
+              <a:defRPr cap="none" sz="1000">
                 <a:solidFill>
                   <a:srgbClr val="000000">
                     <a:alpha val="100000"/>
@@ -1076,7 +1094,7 @@
         <a:lstStyle/>
         <a:p>
           <a:pPr>
-            <a:defRPr sz="1400">
+            <a:defRPr cap="none" sz="1400">
               <a:solidFill>
                 <a:srgbClr val="000000">
                   <a:alpha val="100000"/>
